--- a/files/otto_slides.pptx
+++ b/files/otto_slides.pptx
@@ -118,6 +118,11 @@
       </a:defRPr>
     </a:lvl9pPr>
   </p:defaultTextStyle>
+  <p:extLst>
+    <p:ext uri="{EFAFB233-063F-42B5-8137-9DF3F51BA10A}">
+      <p15:sldGuideLst xmlns:p15="http://schemas.microsoft.com/office/powerpoint/2012/main"/>
+    </p:ext>
+  </p:extLst>
 </p:presentation>
 </file>
 
@@ -166,7 +171,6 @@
               <a:rPr lang="en-US"/>
               <a:t>Click to edit Master title style</a:t>
             </a:r>
-            <a:endParaRPr lang="en-US"/>
           </a:p>
         </p:txBody>
       </p:sp>
@@ -231,7 +235,6 @@
               <a:rPr lang="en-US"/>
               <a:t>Click to edit Master subtitle style</a:t>
             </a:r>
-            <a:endParaRPr lang="en-US"/>
           </a:p>
         </p:txBody>
       </p:sp>
@@ -349,7 +352,6 @@
               <a:rPr lang="en-US"/>
               <a:t>Click to edit Master title style</a:t>
             </a:r>
-            <a:endParaRPr lang="en-US"/>
           </a:p>
         </p:txBody>
       </p:sp>
@@ -401,7 +403,6 @@
               <a:rPr lang="en-US"/>
               <a:t>Fifth level</a:t>
             </a:r>
-            <a:endParaRPr lang="en-US"/>
           </a:p>
         </p:txBody>
       </p:sp>
@@ -524,7 +525,6 @@
               <a:rPr lang="en-US"/>
               <a:t>Click to edit Master title style</a:t>
             </a:r>
-            <a:endParaRPr lang="en-US"/>
           </a:p>
         </p:txBody>
       </p:sp>
@@ -581,7 +581,6 @@
               <a:rPr lang="en-US"/>
               <a:t>Fifth level</a:t>
             </a:r>
-            <a:endParaRPr lang="en-US"/>
           </a:p>
         </p:txBody>
       </p:sp>
@@ -699,7 +698,6 @@
               <a:rPr lang="en-US"/>
               <a:t>Click to edit Master title style</a:t>
             </a:r>
-            <a:endParaRPr lang="en-US"/>
           </a:p>
         </p:txBody>
       </p:sp>
@@ -751,7 +749,6 @@
               <a:rPr lang="en-US"/>
               <a:t>Fifth level</a:t>
             </a:r>
-            <a:endParaRPr lang="en-US"/>
           </a:p>
         </p:txBody>
       </p:sp>
@@ -878,7 +875,6 @@
               <a:rPr lang="en-US"/>
               <a:t>Click to edit Master title style</a:t>
             </a:r>
-            <a:endParaRPr lang="en-US"/>
           </a:p>
         </p:txBody>
       </p:sp>
@@ -1115,7 +1111,6 @@
               <a:rPr lang="en-US"/>
               <a:t>Click to edit Master title style</a:t>
             </a:r>
-            <a:endParaRPr lang="en-US"/>
           </a:p>
         </p:txBody>
       </p:sp>
@@ -1172,7 +1167,6 @@
               <a:rPr lang="en-US"/>
               <a:t>Fifth level</a:t>
             </a:r>
-            <a:endParaRPr lang="en-US"/>
           </a:p>
         </p:txBody>
       </p:sp>
@@ -1229,7 +1223,6 @@
               <a:rPr lang="en-US"/>
               <a:t>Fifth level</a:t>
             </a:r>
-            <a:endParaRPr lang="en-US"/>
           </a:p>
         </p:txBody>
       </p:sp>
@@ -1352,7 +1345,6 @@
               <a:rPr lang="en-US"/>
               <a:t>Click to edit Master title style</a:t>
             </a:r>
-            <a:endParaRPr lang="en-US"/>
           </a:p>
         </p:txBody>
       </p:sp>
@@ -1474,7 +1466,6 @@
               <a:rPr lang="en-US"/>
               <a:t>Fifth level</a:t>
             </a:r>
-            <a:endParaRPr lang="en-US"/>
           </a:p>
         </p:txBody>
       </p:sp>
@@ -1596,7 +1587,6 @@
               <a:rPr lang="en-US"/>
               <a:t>Fifth level</a:t>
             </a:r>
-            <a:endParaRPr lang="en-US"/>
           </a:p>
         </p:txBody>
       </p:sp>
@@ -1714,7 +1704,6 @@
               <a:rPr lang="en-US"/>
               <a:t>Click to edit Master title style</a:t>
             </a:r>
-            <a:endParaRPr lang="en-US"/>
           </a:p>
         </p:txBody>
       </p:sp>
@@ -1936,7 +1925,6 @@
               <a:rPr lang="en-US"/>
               <a:t>Click to edit Master title style</a:t>
             </a:r>
-            <a:endParaRPr lang="en-US"/>
           </a:p>
         </p:txBody>
       </p:sp>
@@ -2021,7 +2009,6 @@
               <a:rPr lang="en-US"/>
               <a:t>Fifth level</a:t>
             </a:r>
-            <a:endParaRPr lang="en-US"/>
           </a:p>
         </p:txBody>
       </p:sp>
@@ -2213,7 +2200,6 @@
               <a:rPr lang="en-US"/>
               <a:t>Click to edit Master title style</a:t>
             </a:r>
-            <a:endParaRPr lang="en-US"/>
           </a:p>
         </p:txBody>
       </p:sp>
@@ -2472,7 +2458,6 @@
               <a:rPr lang="en-US"/>
               <a:t>Click to edit Master title style</a:t>
             </a:r>
-            <a:endParaRPr lang="en-US"/>
           </a:p>
         </p:txBody>
       </p:sp>
@@ -2534,7 +2519,6 @@
               <a:rPr lang="en-US"/>
               <a:t>Fifth level</a:t>
             </a:r>
-            <a:endParaRPr lang="en-US"/>
           </a:p>
         </p:txBody>
       </p:sp>
@@ -3024,7 +3008,7 @@
           <a:p>
             <a:r>
               <a:rPr lang="en-US" dirty="0"/>
-              <a:t>Open Trust Taxonomy for Federation Operator</a:t>
+              <a:t>Open Trust Taxonomy for Federation Operators</a:t>
             </a:r>
           </a:p>
           <a:p>
@@ -4665,7 +4649,7 @@
           <a:graphicData uri="http://schemas.openxmlformats.org/presentationml/2006/ole">
             <mc:AlternateContent xmlns:mc="http://schemas.openxmlformats.org/markup-compatibility/2006">
               <mc:Choice xmlns:v="urn:schemas-microsoft-com:vml" Requires="v">
-                <p:oleObj spid="_x0000_s1042" name="Worksheet" r:id="rId3" imgW="7177963" imgH="1790710" progId="Excel.Sheet.12">
+                <p:oleObj spid="_x0000_s1045" name="Worksheet" r:id="rId3" imgW="7177963" imgH="1790710" progId="Excel.Sheet.12">
                   <p:embed/>
                 </p:oleObj>
               </mc:Choice>
@@ -4779,7 +4763,7 @@
           <a:graphicData uri="http://schemas.openxmlformats.org/presentationml/2006/ole">
             <mc:AlternateContent xmlns:mc="http://schemas.openxmlformats.org/markup-compatibility/2006">
               <mc:Choice xmlns:v="urn:schemas-microsoft-com:vml" Requires="v">
-                <p:oleObj spid="_x0000_s2065" name="Worksheet" r:id="rId3" imgW="7177963" imgH="998179" progId="Excel.Sheet.12">
+                <p:oleObj spid="_x0000_s2068" name="Worksheet" r:id="rId3" imgW="7177963" imgH="998179" progId="Excel.Sheet.12">
                   <p:embed/>
                 </p:oleObj>
               </mc:Choice>
@@ -4893,7 +4877,7 @@
           <a:graphicData uri="http://schemas.openxmlformats.org/presentationml/2006/ole">
             <mc:AlternateContent xmlns:mc="http://schemas.openxmlformats.org/markup-compatibility/2006">
               <mc:Choice xmlns:v="urn:schemas-microsoft-com:vml" Requires="v">
-                <p:oleObj spid="_x0000_s3088" name="Worksheet" r:id="rId3" imgW="7361028" imgH="1394553" progId="Excel.Sheet.12">
+                <p:oleObj spid="_x0000_s3091" name="Worksheet" r:id="rId3" imgW="7361028" imgH="1394553" progId="Excel.Sheet.12">
                   <p:embed/>
                 </p:oleObj>
               </mc:Choice>
@@ -5007,7 +4991,7 @@
           <a:graphicData uri="http://schemas.openxmlformats.org/presentationml/2006/ole">
             <mc:AlternateContent xmlns:mc="http://schemas.openxmlformats.org/markup-compatibility/2006">
               <mc:Choice xmlns:v="urn:schemas-microsoft-com:vml" Requires="v">
-                <p:oleObj spid="_x0000_s4112" name="Worksheet" r:id="rId3" imgW="7361028" imgH="403942" progId="Excel.Sheet.12">
+                <p:oleObj spid="_x0000_s4115" name="Worksheet" r:id="rId3" imgW="7361028" imgH="403942" progId="Excel.Sheet.12">
                   <p:embed/>
                 </p:oleObj>
               </mc:Choice>

--- a/files/otto_slides.pptx
+++ b/files/otto_slides.pptx
@@ -255,7 +255,7 @@
           <a:p>
             <a:fld id="{6F1100B5-9E82-407B-B26A-0BB3860728BE}" type="datetimeFigureOut">
               <a:rPr lang="en-US" smtClean="0"/>
-              <a:t>10/28/2016</a:t>
+              <a:t>1/23/2017</a:t>
             </a:fld>
             <a:endParaRPr lang="en-US"/>
           </a:p>
@@ -423,7 +423,7 @@
           <a:p>
             <a:fld id="{6F1100B5-9E82-407B-B26A-0BB3860728BE}" type="datetimeFigureOut">
               <a:rPr lang="en-US" smtClean="0"/>
-              <a:t>10/28/2016</a:t>
+              <a:t>1/23/2017</a:t>
             </a:fld>
             <a:endParaRPr lang="en-US"/>
           </a:p>
@@ -601,7 +601,7 @@
           <a:p>
             <a:fld id="{6F1100B5-9E82-407B-B26A-0BB3860728BE}" type="datetimeFigureOut">
               <a:rPr lang="en-US" smtClean="0"/>
-              <a:t>10/28/2016</a:t>
+              <a:t>1/23/2017</a:t>
             </a:fld>
             <a:endParaRPr lang="en-US"/>
           </a:p>
@@ -769,7 +769,7 @@
           <a:p>
             <a:fld id="{6F1100B5-9E82-407B-B26A-0BB3860728BE}" type="datetimeFigureOut">
               <a:rPr lang="en-US" smtClean="0"/>
-              <a:t>10/28/2016</a:t>
+              <a:t>1/23/2017</a:t>
             </a:fld>
             <a:endParaRPr lang="en-US"/>
           </a:p>
@@ -1014,7 +1014,7 @@
           <a:p>
             <a:fld id="{6F1100B5-9E82-407B-B26A-0BB3860728BE}" type="datetimeFigureOut">
               <a:rPr lang="en-US" smtClean="0"/>
-              <a:t>10/28/2016</a:t>
+              <a:t>1/23/2017</a:t>
             </a:fld>
             <a:endParaRPr lang="en-US"/>
           </a:p>
@@ -1243,7 +1243,7 @@
           <a:p>
             <a:fld id="{6F1100B5-9E82-407B-B26A-0BB3860728BE}" type="datetimeFigureOut">
               <a:rPr lang="en-US" smtClean="0"/>
-              <a:t>10/28/2016</a:t>
+              <a:t>1/23/2017</a:t>
             </a:fld>
             <a:endParaRPr lang="en-US"/>
           </a:p>
@@ -1607,7 +1607,7 @@
           <a:p>
             <a:fld id="{6F1100B5-9E82-407B-B26A-0BB3860728BE}" type="datetimeFigureOut">
               <a:rPr lang="en-US" smtClean="0"/>
-              <a:t>10/28/2016</a:t>
+              <a:t>1/23/2017</a:t>
             </a:fld>
             <a:endParaRPr lang="en-US"/>
           </a:p>
@@ -1724,7 +1724,7 @@
           <a:p>
             <a:fld id="{6F1100B5-9E82-407B-B26A-0BB3860728BE}" type="datetimeFigureOut">
               <a:rPr lang="en-US" smtClean="0"/>
-              <a:t>10/28/2016</a:t>
+              <a:t>1/23/2017</a:t>
             </a:fld>
             <a:endParaRPr lang="en-US"/>
           </a:p>
@@ -1819,7 +1819,7 @@
           <a:p>
             <a:fld id="{6F1100B5-9E82-407B-B26A-0BB3860728BE}" type="datetimeFigureOut">
               <a:rPr lang="en-US" smtClean="0"/>
-              <a:t>10/28/2016</a:t>
+              <a:t>1/23/2017</a:t>
             </a:fld>
             <a:endParaRPr lang="en-US"/>
           </a:p>
@@ -2094,7 +2094,7 @@
           <a:p>
             <a:fld id="{6F1100B5-9E82-407B-B26A-0BB3860728BE}" type="datetimeFigureOut">
               <a:rPr lang="en-US" smtClean="0"/>
-              <a:t>10/28/2016</a:t>
+              <a:t>1/23/2017</a:t>
             </a:fld>
             <a:endParaRPr lang="en-US"/>
           </a:p>
@@ -2346,7 +2346,7 @@
           <a:p>
             <a:fld id="{6F1100B5-9E82-407B-B26A-0BB3860728BE}" type="datetimeFigureOut">
               <a:rPr lang="en-US" smtClean="0"/>
-              <a:t>10/28/2016</a:t>
+              <a:t>1/23/2017</a:t>
             </a:fld>
             <a:endParaRPr lang="en-US"/>
           </a:p>
@@ -2557,7 +2557,7 @@
           <a:p>
             <a:fld id="{6F1100B5-9E82-407B-B26A-0BB3860728BE}" type="datetimeFigureOut">
               <a:rPr lang="en-US" smtClean="0"/>
-              <a:t>10/28/2016</a:t>
+              <a:t>1/23/2017</a:t>
             </a:fld>
             <a:endParaRPr lang="en-US"/>
           </a:p>
@@ -4309,9 +4309,10 @@
           <a:p>
             <a:pPr lvl="1"/>
             <a:r>
-              <a:rPr lang="en-US" dirty="0"/>
-              <a:t>OAuth,</a:t>
-            </a:r>
+              <a:rPr lang="en-US"/>
+              <a:t>OAuth</a:t>
+            </a:r>
+            <a:endParaRPr lang="en-US" dirty="0"/>
           </a:p>
           <a:p>
             <a:pPr lvl="1"/>
@@ -4649,7 +4650,7 @@
           <a:graphicData uri="http://schemas.openxmlformats.org/presentationml/2006/ole">
             <mc:AlternateContent xmlns:mc="http://schemas.openxmlformats.org/markup-compatibility/2006">
               <mc:Choice xmlns:v="urn:schemas-microsoft-com:vml" Requires="v">
-                <p:oleObj spid="_x0000_s1045" name="Worksheet" r:id="rId3" imgW="7177963" imgH="1790710" progId="Excel.Sheet.12">
+                <p:oleObj spid="_x0000_s1046" name="Worksheet" r:id="rId3" imgW="7177963" imgH="1790710" progId="Excel.Sheet.12">
                   <p:embed/>
                 </p:oleObj>
               </mc:Choice>
@@ -4763,7 +4764,7 @@
           <a:graphicData uri="http://schemas.openxmlformats.org/presentationml/2006/ole">
             <mc:AlternateContent xmlns:mc="http://schemas.openxmlformats.org/markup-compatibility/2006">
               <mc:Choice xmlns:v="urn:schemas-microsoft-com:vml" Requires="v">
-                <p:oleObj spid="_x0000_s2068" name="Worksheet" r:id="rId3" imgW="7177963" imgH="998179" progId="Excel.Sheet.12">
+                <p:oleObj spid="_x0000_s2069" name="Worksheet" r:id="rId3" imgW="7177963" imgH="998179" progId="Excel.Sheet.12">
                   <p:embed/>
                 </p:oleObj>
               </mc:Choice>
@@ -4877,7 +4878,7 @@
           <a:graphicData uri="http://schemas.openxmlformats.org/presentationml/2006/ole">
             <mc:AlternateContent xmlns:mc="http://schemas.openxmlformats.org/markup-compatibility/2006">
               <mc:Choice xmlns:v="urn:schemas-microsoft-com:vml" Requires="v">
-                <p:oleObj spid="_x0000_s3091" name="Worksheet" r:id="rId3" imgW="7361028" imgH="1394553" progId="Excel.Sheet.12">
+                <p:oleObj spid="_x0000_s3092" name="Worksheet" r:id="rId3" imgW="7361028" imgH="1394553" progId="Excel.Sheet.12">
                   <p:embed/>
                 </p:oleObj>
               </mc:Choice>
@@ -4991,7 +4992,7 @@
           <a:graphicData uri="http://schemas.openxmlformats.org/presentationml/2006/ole">
             <mc:AlternateContent xmlns:mc="http://schemas.openxmlformats.org/markup-compatibility/2006">
               <mc:Choice xmlns:v="urn:schemas-microsoft-com:vml" Requires="v">
-                <p:oleObj spid="_x0000_s4115" name="Worksheet" r:id="rId3" imgW="7361028" imgH="403942" progId="Excel.Sheet.12">
+                <p:oleObj spid="_x0000_s4116" name="Worksheet" r:id="rId3" imgW="7361028" imgH="403942" progId="Excel.Sheet.12">
                   <p:embed/>
                 </p:oleObj>
               </mc:Choice>
